--- a/Backup/Institucional/3. Cómo organizarnos.pptx
+++ b/Backup/Institucional/3. Cómo organizarnos.pptx
@@ -3054,7 +3054,7 @@
           <a:p>
             <a:fld id="{15A53EF2-857A-475A-B989-D621464FC5FE}" type="datetimeFigureOut">
               <a:rPr lang="es-AR" smtClean="0"/>
-              <a:t>26/jun.24</a:t>
+              <a:t>29/jun.24</a:t>
             </a:fld>
             <a:endParaRPr lang="es-AR"/>
           </a:p>
@@ -3581,7 +3581,7 @@
           <a:p>
             <a:fld id="{61A29766-F8F1-40A0-9012-1D6D854DEF19}" type="datetime1">
               <a:rPr lang="es-AR" smtClean="0"/>
-              <a:t>26/jun.24</a:t>
+              <a:t>29/jun.24</a:t>
             </a:fld>
             <a:endParaRPr lang="es-AR"/>
           </a:p>
@@ -3761,7 +3761,7 @@
           <a:p>
             <a:fld id="{AE6B27E4-E037-4417-BAA1-4EA2285D12B1}" type="datetime1">
               <a:rPr lang="es-AR" smtClean="0"/>
-              <a:t>26/jun.24</a:t>
+              <a:t>29/jun.24</a:t>
             </a:fld>
             <a:endParaRPr lang="es-AR"/>
           </a:p>
@@ -3941,7 +3941,7 @@
           <a:p>
             <a:fld id="{06E9FD0F-B1A3-4BFC-9B6C-EFC7C439C1C6}" type="datetime1">
               <a:rPr lang="es-AR" smtClean="0"/>
-              <a:t>26/jun.24</a:t>
+              <a:t>29/jun.24</a:t>
             </a:fld>
             <a:endParaRPr lang="es-AR"/>
           </a:p>
@@ -4187,7 +4187,7 @@
           <a:p>
             <a:fld id="{12B0B659-48BD-489A-B1DB-2611836A1BF3}" type="datetime1">
               <a:rPr lang="es-AR" smtClean="0"/>
-              <a:t>26/jun.24</a:t>
+              <a:t>29/jun.24</a:t>
             </a:fld>
             <a:endParaRPr lang="es-AR"/>
           </a:p>
@@ -4419,7 +4419,7 @@
           <a:p>
             <a:fld id="{2012BD2E-4DE1-43F3-9389-38F8F1A594C5}" type="datetime1">
               <a:rPr lang="es-AR" smtClean="0"/>
-              <a:t>26/jun.24</a:t>
+              <a:t>29/jun.24</a:t>
             </a:fld>
             <a:endParaRPr lang="es-AR"/>
           </a:p>
@@ -4786,7 +4786,7 @@
           <a:p>
             <a:fld id="{C40B5982-6B3C-4989-8EDA-6F8B49694493}" type="datetime1">
               <a:rPr lang="es-AR" smtClean="0"/>
-              <a:t>26/jun.24</a:t>
+              <a:t>29/jun.24</a:t>
             </a:fld>
             <a:endParaRPr lang="es-AR"/>
           </a:p>
@@ -4932,7 +4932,7 @@
           <a:p>
             <a:fld id="{BC4B7BD7-8412-49DF-88C1-6EBDC5AFB437}" type="datetime1">
               <a:rPr lang="es-AR" smtClean="0"/>
-              <a:t>26/jun.24</a:t>
+              <a:t>29/jun.24</a:t>
             </a:fld>
             <a:endParaRPr lang="es-AR"/>
           </a:p>
@@ -5027,7 +5027,7 @@
           <a:p>
             <a:fld id="{3F2EFFA2-EE5D-4D7A-8A67-E43B2E1F3BCF}" type="datetime1">
               <a:rPr lang="es-AR" smtClean="0"/>
-              <a:t>26/jun.24</a:t>
+              <a:t>29/jun.24</a:t>
             </a:fld>
             <a:endParaRPr lang="es-AR"/>
           </a:p>
@@ -5304,7 +5304,7 @@
           <a:p>
             <a:fld id="{1657CC18-C596-4B8D-B0F2-39407AF309E9}" type="datetime1">
               <a:rPr lang="es-AR" smtClean="0"/>
-              <a:t>26/jun.24</a:t>
+              <a:t>29/jun.24</a:t>
             </a:fld>
             <a:endParaRPr lang="es-AR"/>
           </a:p>
@@ -5557,7 +5557,7 @@
           <a:p>
             <a:fld id="{70E49125-F661-48D8-9660-7F121CB22E0F}" type="datetime1">
               <a:rPr lang="es-AR" smtClean="0"/>
-              <a:t>26/jun.24</a:t>
+              <a:t>29/jun.24</a:t>
             </a:fld>
             <a:endParaRPr lang="es-AR"/>
           </a:p>
@@ -5770,7 +5770,7 @@
           <a:p>
             <a:fld id="{18DEFC15-B62B-4B9A-91AC-2F8E1CBC4E3C}" type="datetime1">
               <a:rPr lang="es-AR" smtClean="0"/>
-              <a:t>26/jun.24</a:t>
+              <a:t>29/jun.24</a:t>
             </a:fld>
             <a:endParaRPr lang="es-AR"/>
           </a:p>
@@ -6234,7 +6234,13 @@
           <a:p>
             <a:r>
               <a:rPr lang="es-AR" dirty="0" smtClean="0"/>
-              <a:t>Recomendación de Colecciones y Películas, Centradas en la Fe Católica (CFC) y/o con Valores Presentes en la Cultura (VPC)</a:t>
+              <a:t>Recomendación de Películas, Colecciones y Series</a:t>
+            </a:r>
+          </a:p>
+          <a:p>
+            <a:r>
+              <a:rPr lang="es-AR" dirty="0" smtClean="0"/>
+              <a:t>con valores afines a la Iglesia Católica</a:t>
             </a:r>
             <a:endParaRPr lang="es-AR" dirty="0"/>
           </a:p>
@@ -6406,7 +6412,7 @@
               </a:pPr>
               <a:r>
                 <a:rPr lang="es-AR" dirty="0" smtClean="0"/>
-                <a:t>Relación con distribuidoras y planes ‘ganar’</a:t>
+                <a:t>Relación con distribuidoras</a:t>
               </a:r>
             </a:p>
             <a:p>
@@ -6505,6 +6511,17 @@
                 <a:buChar char="•"/>
               </a:pPr>
               <a:r>
+                <a:rPr lang="es-AR" smtClean="0"/>
+                <a:t>Difusión</a:t>
+              </a:r>
+              <a:endParaRPr lang="es-AR" dirty="0" smtClean="0"/>
+            </a:p>
+            <a:p>
+              <a:pPr marL="285750" indent="-285750">
+                <a:buFont typeface="Arial" panose="020B0604020202020204" pitchFamily="34" charset="0"/>
+                <a:buChar char="•"/>
+              </a:pPr>
+              <a:r>
                 <a:rPr lang="es-AR" dirty="0" smtClean="0"/>
                 <a:t>Revisión </a:t>
               </a:r>
@@ -6528,13 +6545,8 @@
               </a:r>
               <a:r>
                 <a:rPr lang="es-AR" dirty="0" smtClean="0"/>
-                <a:t> </a:t>
+                <a:t> sobre Prods/RCLVs</a:t>
               </a:r>
-              <a:r>
-                <a:rPr lang="es-AR" smtClean="0"/>
-                <a:t>sobre Prods/RCLVs</a:t>
-              </a:r>
-              <a:endParaRPr lang="es-AR" dirty="0" smtClean="0"/>
             </a:p>
           </p:txBody>
         </p:sp>
@@ -6790,55 +6802,9 @@
           <a:p>
             <a:fld id="{E23C16FB-EA57-49DC-AABC-6B4D367E3A00}" type="datetime1">
               <a:rPr lang="es-AR" smtClean="0"/>
-              <a:t>26/jun.24</a:t>
+              <a:t>29/jun.24</a:t>
             </a:fld>
             <a:endParaRPr lang="es-AR"/>
-          </a:p>
-        </p:txBody>
-      </p:sp>
-      <p:sp>
-        <p:nvSpPr>
-          <p:cNvPr id="20" name="CuadroTexto 19"/>
-          <p:cNvSpPr txBox="1"/>
-          <p:nvPr/>
-        </p:nvSpPr>
-        <p:spPr>
-          <a:xfrm>
-            <a:off x="4717611" y="3451856"/>
-            <a:ext cx="2480359" cy="461665"/>
-          </a:xfrm>
-          <a:prstGeom prst="rect">
-            <a:avLst/>
-          </a:prstGeom>
-          <a:solidFill>
-            <a:schemeClr val="tx1">
-              <a:lumMod val="95000"/>
-            </a:schemeClr>
-          </a:solidFill>
-        </p:spPr>
-        <p:txBody>
-          <a:bodyPr wrap="none" rtlCol="0">
-            <a:spAutoFit/>
-          </a:bodyPr>
-          <a:lstStyle/>
-          <a:p>
-            <a:r>
-              <a:rPr lang="es-AR" sz="2400" dirty="0" smtClean="0">
-                <a:solidFill>
-                  <a:schemeClr val="accent4">
-                    <a:lumMod val="50000"/>
-                  </a:schemeClr>
-                </a:solidFill>
-              </a:rPr>
-              <a:t>¿Dónde se ve c/u?</a:t>
-            </a:r>
-            <a:endParaRPr lang="es-AR" sz="2400" dirty="0">
-              <a:solidFill>
-                <a:schemeClr val="accent4">
-                  <a:lumMod val="50000"/>
-                </a:schemeClr>
-              </a:solidFill>
-            </a:endParaRPr>
           </a:p>
         </p:txBody>
       </p:sp>
@@ -6888,8 +6854,12 @@
           <a:lstStyle/>
           <a:p>
             <a:r>
-              <a:rPr lang="es-AR" smtClean="0"/>
-              <a:t>Próximos pasos</a:t>
+              <a:rPr lang="es-AR" dirty="0" smtClean="0"/>
+              <a:t>Próximos </a:t>
+            </a:r>
+            <a:r>
+              <a:rPr lang="es-AR" dirty="0" smtClean="0"/>
+              <a:t>pasos – Juan R.</a:t>
             </a:r>
             <a:endParaRPr lang="es-AR" dirty="0"/>
           </a:p>
@@ -6912,94 +6882,69 @@
           <a:p>
             <a:r>
               <a:rPr lang="es-AR" dirty="0" smtClean="0"/>
-              <a:t>Introducción al sitio</a:t>
+              <a:t>Discernimiento personal sobre la identificación con la iniciativa</a:t>
+            </a:r>
+          </a:p>
+          <a:p>
+            <a:r>
+              <a:rPr lang="es-AR" dirty="0" smtClean="0"/>
+              <a:t>Encontrar un n</a:t>
+            </a:r>
+            <a:r>
+              <a:rPr lang="es-AR" dirty="0" smtClean="0"/>
+              <a:t>ombre para el </a:t>
+            </a:r>
+            <a:r>
+              <a:rPr lang="es-AR" dirty="0"/>
+              <a:t>proyecto</a:t>
             </a:r>
           </a:p>
           <a:p>
             <a:pPr lvl="1"/>
             <a:r>
+              <a:rPr lang="es-AR" dirty="0"/>
+              <a:t>Fácil de pronunciar </a:t>
+            </a:r>
+            <a:r>
               <a:rPr lang="es-AR" dirty="0" smtClean="0"/>
-              <a:t>Imaginar </a:t>
-            </a:r>
+              <a:t>en castellano</a:t>
+            </a:r>
+          </a:p>
+          <a:p>
+            <a:pPr lvl="1"/>
             <a:r>
               <a:rPr lang="es-AR" dirty="0" smtClean="0"/>
-              <a:t>cómo haría el sitio para satisfacer todas las necesidades</a:t>
+              <a:t>Fácil de recordar</a:t>
+            </a:r>
+          </a:p>
+          <a:p>
+            <a:r>
+              <a:rPr lang="es-AR" dirty="0"/>
+              <a:t>Imaginar cómo debería ser el sitio para cumplir su objetivo</a:t>
             </a:r>
           </a:p>
           <a:p>
             <a:pPr lvl="1"/>
             <a:r>
               <a:rPr lang="es-AR" dirty="0"/>
-              <a:t>Vistas necesarias</a:t>
+              <a:t>Vistas necesarias, logo, imagen institucional, estética</a:t>
             </a:r>
           </a:p>
           <a:p>
             <a:pPr lvl="1"/>
             <a:r>
-              <a:rPr lang="es-AR" dirty="0" smtClean="0"/>
-              <a:t>Logo</a:t>
-            </a:r>
-            <a:r>
-              <a:rPr lang="es-AR" dirty="0"/>
-              <a:t>, imagen institucional, estética del </a:t>
-            </a:r>
-            <a:r>
-              <a:rPr lang="es-AR" dirty="0" smtClean="0"/>
-              <a:t>sitio</a:t>
-            </a:r>
-          </a:p>
-          <a:p>
-            <a:r>
-              <a:rPr lang="es-AR" dirty="0" smtClean="0"/>
-              <a:t>Nombre </a:t>
-            </a:r>
-            <a:r>
-              <a:rPr lang="es-AR" dirty="0"/>
-              <a:t>del proyecto</a:t>
-            </a:r>
-          </a:p>
-          <a:p>
-            <a:pPr lvl="1"/>
-            <a:r>
-              <a:rPr lang="es-AR" dirty="0" smtClean="0"/>
-              <a:t>En castellano</a:t>
-            </a:r>
-          </a:p>
-          <a:p>
-            <a:pPr lvl="1"/>
-            <a:r>
-              <a:rPr lang="es-AR" dirty="0" smtClean="0"/>
-              <a:t>Fácil de pronunciar y recordar</a:t>
-            </a:r>
-          </a:p>
-          <a:p>
-            <a:pPr lvl="1"/>
-            <a:r>
-              <a:rPr lang="es-AR" dirty="0" smtClean="0"/>
-              <a:t>Idealmente</a:t>
-            </a:r>
-            <a:r>
-              <a:rPr lang="es-AR" dirty="0"/>
-              <a:t>, que signifique algo</a:t>
-            </a:r>
-          </a:p>
-          <a:p>
-            <a:r>
-              <a:rPr lang="es-AR" dirty="0" smtClean="0"/>
-              <a:t>Validación de toda la página y know-how</a:t>
-            </a:r>
-          </a:p>
-          <a:p>
-            <a:r>
-              <a:rPr lang="es-AR" dirty="0" smtClean="0"/>
-              <a:t>Modelo de negocio</a:t>
-            </a:r>
-          </a:p>
-          <a:p>
-            <a:endParaRPr lang="es-AR" dirty="0" smtClean="0"/>
-          </a:p>
-          <a:p>
-            <a:endParaRPr lang="es-AR" dirty="0"/>
+              <a:rPr lang="es-AR"/>
+              <a:t>Recorrer todas las vistas institucionales con </a:t>
+            </a:r>
+            <a:r>
+              <a:rPr lang="es-AR"/>
+              <a:t>mirada </a:t>
+            </a:r>
+            <a:r>
+              <a:rPr lang="es-AR" smtClean="0"/>
+              <a:t>crítica</a:t>
+            </a:r>
+            <a:endParaRPr lang="es-AR"/>
           </a:p>
         </p:txBody>
       </p:sp>
@@ -7020,7 +6965,7 @@
           <a:p>
             <a:fld id="{06E9FD0F-B1A3-4BFC-9B6C-EFC7C439C1C6}" type="datetime1">
               <a:rPr lang="es-AR" smtClean="0"/>
-              <a:t>26/jun.24</a:t>
+              <a:t>29/jun.24</a:t>
             </a:fld>
             <a:endParaRPr lang="es-AR"/>
           </a:p>
